--- a/Presentation1.pptx
+++ b/Presentation1.pptx
@@ -204,7 +204,7 @@
           <a:p>
             <a:fld id="{4EC385B9-B1CE-1E45-BA33-0941CEB555B8}" type="datetimeFigureOut">
               <a:rPr lang="en-US" smtClean="0"/>
-              <a:t>6/12/2021</a:t>
+              <a:t>6/27/2021</a:t>
             </a:fld>
             <a:endParaRPr lang="en-US"/>
           </a:p>
@@ -1982,7 +1982,7 @@
           <a:p>
             <a:fld id="{0DAF61AA-5A98-4049-A93E-477E5505141A}" type="datetimeFigureOut">
               <a:rPr lang="en-US" smtClean="0"/>
-              <a:t>6/12/2021</a:t>
+              <a:t>6/27/2021</a:t>
             </a:fld>
             <a:endParaRPr lang="en-US" dirty="0"/>
           </a:p>
@@ -2180,7 +2180,7 @@
           <a:p>
             <a:fld id="{0DAF61AA-5A98-4049-A93E-477E5505141A}" type="datetimeFigureOut">
               <a:rPr lang="en-US" smtClean="0"/>
-              <a:t>6/12/2021</a:t>
+              <a:t>6/27/2021</a:t>
             </a:fld>
             <a:endParaRPr lang="en-US"/>
           </a:p>
@@ -2388,7 +2388,7 @@
           <a:p>
             <a:fld id="{0DAF61AA-5A98-4049-A93E-477E5505141A}" type="datetimeFigureOut">
               <a:rPr lang="en-US" smtClean="0"/>
-              <a:t>6/12/2021</a:t>
+              <a:t>6/27/2021</a:t>
             </a:fld>
             <a:endParaRPr lang="en-US"/>
           </a:p>
@@ -2586,7 +2586,7 @@
           <a:p>
             <a:fld id="{0DAF61AA-5A98-4049-A93E-477E5505141A}" type="datetimeFigureOut">
               <a:rPr lang="en-US" smtClean="0"/>
-              <a:t>6/12/2021</a:t>
+              <a:t>6/27/2021</a:t>
             </a:fld>
             <a:endParaRPr lang="en-US"/>
           </a:p>
@@ -2861,7 +2861,7 @@
           <a:p>
             <a:fld id="{0DAF61AA-5A98-4049-A93E-477E5505141A}" type="datetimeFigureOut">
               <a:rPr lang="en-US" smtClean="0"/>
-              <a:t>6/12/2021</a:t>
+              <a:t>6/27/2021</a:t>
             </a:fld>
             <a:endParaRPr lang="en-US"/>
           </a:p>
@@ -3126,7 +3126,7 @@
           <a:p>
             <a:fld id="{0DAF61AA-5A98-4049-A93E-477E5505141A}" type="datetimeFigureOut">
               <a:rPr lang="en-US" smtClean="0"/>
-              <a:t>6/12/2021</a:t>
+              <a:t>6/27/2021</a:t>
             </a:fld>
             <a:endParaRPr lang="en-US"/>
           </a:p>
@@ -3538,7 +3538,7 @@
           <a:p>
             <a:fld id="{0DAF61AA-5A98-4049-A93E-477E5505141A}" type="datetimeFigureOut">
               <a:rPr lang="en-US" smtClean="0"/>
-              <a:t>6/12/2021</a:t>
+              <a:t>6/27/2021</a:t>
             </a:fld>
             <a:endParaRPr lang="en-US"/>
           </a:p>
@@ -3679,7 +3679,7 @@
           <a:p>
             <a:fld id="{0DAF61AA-5A98-4049-A93E-477E5505141A}" type="datetimeFigureOut">
               <a:rPr lang="en-US" smtClean="0"/>
-              <a:t>6/12/2021</a:t>
+              <a:t>6/27/2021</a:t>
             </a:fld>
             <a:endParaRPr lang="en-US"/>
           </a:p>
@@ -3792,7 +3792,7 @@
           <a:p>
             <a:fld id="{0DAF61AA-5A98-4049-A93E-477E5505141A}" type="datetimeFigureOut">
               <a:rPr lang="en-US" smtClean="0"/>
-              <a:t>6/12/2021</a:t>
+              <a:t>6/27/2021</a:t>
             </a:fld>
             <a:endParaRPr lang="en-US"/>
           </a:p>
@@ -4103,7 +4103,7 @@
           <a:p>
             <a:fld id="{0DAF61AA-5A98-4049-A93E-477E5505141A}" type="datetimeFigureOut">
               <a:rPr lang="en-US" smtClean="0"/>
-              <a:t>6/12/2021</a:t>
+              <a:t>6/27/2021</a:t>
             </a:fld>
             <a:endParaRPr lang="en-US"/>
           </a:p>
@@ -4394,7 +4394,7 @@
           <a:p>
             <a:fld id="{0DAF61AA-5A98-4049-A93E-477E5505141A}" type="datetimeFigureOut">
               <a:rPr lang="en-US" smtClean="0"/>
-              <a:t>6/12/2021</a:t>
+              <a:t>6/27/2021</a:t>
             </a:fld>
             <a:endParaRPr lang="en-US"/>
           </a:p>
@@ -8082,7 +8082,7 @@
             <a:fld id="{0DAF61AA-5A98-4049-A93E-477E5505141A}" type="datetimeFigureOut">
               <a:rPr lang="en-US" smtClean="0"/>
               <a:pPr/>
-              <a:t>6/12/2021</a:t>
+              <a:t>6/27/2021</a:t>
             </a:fld>
             <a:endParaRPr lang="en-US" dirty="0"/>
           </a:p>
@@ -12763,7 +12763,7 @@
             </a:pPr>
             <a:r>
               <a:rPr lang="en-US" dirty="0"/>
-              <a:t>Title</a:t>
+              <a:t>Workshop content</a:t>
             </a:r>
           </a:p>
         </p:txBody>
@@ -13422,37 +13422,142 @@
           <a:bodyPr/>
           <a:lstStyle/>
           <a:p>
-            <a:pPr>
-              <a:buFont typeface="Wingdings" pitchFamily="2" charset="2"/>
-              <a:buChar char="v"/>
+            <a:pPr marL="0" indent="0">
+              <a:buNone/>
             </a:pPr>
             <a:r>
               <a:rPr lang="en-US" dirty="0"/>
-              <a:t> We are not going to learn Java-script</a:t>
-            </a:r>
-          </a:p>
-          <a:p>
-            <a:pPr>
-              <a:buFont typeface="Wingdings" pitchFamily="2" charset="2"/>
-              <a:buChar char="v"/>
+              <a:t>     Java-script </a:t>
+            </a:r>
+          </a:p>
+          <a:p>
+            <a:pPr marL="0" indent="0">
+              <a:buNone/>
             </a:pPr>
             <a:r>
               <a:rPr lang="en-US" dirty="0"/>
-              <a:t> We are not going to dwell in all the technical issues (e.g. proxy)</a:t>
-            </a:r>
-          </a:p>
-          <a:p>
-            <a:pPr>
-              <a:buFont typeface="Wingdings" pitchFamily="2" charset="2"/>
-              <a:buChar char="v"/>
+              <a:t>     Deepen in all the technical issues (e.g. proxy)</a:t>
+            </a:r>
+          </a:p>
+          <a:p>
+            <a:pPr marL="0" indent="0">
+              <a:buNone/>
             </a:pPr>
             <a:r>
               <a:rPr lang="en-US" dirty="0"/>
-              <a:t> Ask questions!</a:t>
+              <a:t>     Ask questions!</a:t>
             </a:r>
           </a:p>
         </p:txBody>
       </p:sp>
+      <p:pic>
+        <p:nvPicPr>
+          <p:cNvPr id="7" name="גרפיקה 6" descr="תיבת סימון עם v עם מילוי מלא">
+            <a:extLst>
+              <a:ext uri="{FF2B5EF4-FFF2-40B4-BE49-F238E27FC236}">
+                <a16:creationId xmlns:a16="http://schemas.microsoft.com/office/drawing/2014/main" id="{59089D27-DDD0-4A61-A536-E849EEB0E591}"/>
+              </a:ext>
+            </a:extLst>
+          </p:cNvPr>
+          <p:cNvPicPr>
+            <a:picLocks noChangeAspect="1"/>
+          </p:cNvPicPr>
+          <p:nvPr/>
+        </p:nvPicPr>
+        <p:blipFill>
+          <a:blip r:embed="rId3">
+            <a:extLst>
+              <a:ext uri="{96DAC541-7B7A-43D3-8B79-37D633B846F1}">
+                <asvg:svgBlip xmlns:asvg="http://schemas.microsoft.com/office/drawing/2016/SVG/main" r:embed="rId4"/>
+              </a:ext>
+            </a:extLst>
+          </a:blip>
+          <a:stretch>
+            <a:fillRect/>
+          </a:stretch>
+        </p:blipFill>
+        <p:spPr>
+          <a:xfrm>
+            <a:off x="780205" y="2986294"/>
+            <a:ext cx="648929" cy="648929"/>
+          </a:xfrm>
+          <a:prstGeom prst="rect">
+            <a:avLst/>
+          </a:prstGeom>
+        </p:spPr>
+      </p:pic>
+      <p:pic>
+        <p:nvPicPr>
+          <p:cNvPr id="9" name="גרפיקה 8" descr="תיבת סימון עם x עם מילוי מלא">
+            <a:extLst>
+              <a:ext uri="{FF2B5EF4-FFF2-40B4-BE49-F238E27FC236}">
+                <a16:creationId xmlns:a16="http://schemas.microsoft.com/office/drawing/2014/main" id="{3A809EA3-545A-4713-AC67-AF9D5F97FACA}"/>
+              </a:ext>
+            </a:extLst>
+          </p:cNvPr>
+          <p:cNvPicPr>
+            <a:picLocks noChangeAspect="1"/>
+          </p:cNvPicPr>
+          <p:nvPr/>
+        </p:nvPicPr>
+        <p:blipFill>
+          <a:blip r:embed="rId5">
+            <a:extLst>
+              <a:ext uri="{96DAC541-7B7A-43D3-8B79-37D633B846F1}">
+                <asvg:svgBlip xmlns:asvg="http://schemas.microsoft.com/office/drawing/2016/SVG/main" r:embed="rId6"/>
+              </a:ext>
+            </a:extLst>
+          </a:blip>
+          <a:stretch>
+            <a:fillRect/>
+          </a:stretch>
+        </p:blipFill>
+        <p:spPr>
+          <a:xfrm>
+            <a:off x="773830" y="1788755"/>
+            <a:ext cx="661680" cy="661680"/>
+          </a:xfrm>
+          <a:prstGeom prst="rect">
+            <a:avLst/>
+          </a:prstGeom>
+        </p:spPr>
+      </p:pic>
+      <p:pic>
+        <p:nvPicPr>
+          <p:cNvPr id="10" name="גרפיקה 9" descr="תיבת סימון עם x עם מילוי מלא">
+            <a:extLst>
+              <a:ext uri="{FF2B5EF4-FFF2-40B4-BE49-F238E27FC236}">
+                <a16:creationId xmlns:a16="http://schemas.microsoft.com/office/drawing/2014/main" id="{B0C2E37C-5AAD-4070-ACB3-D48D9F7DCBE9}"/>
+              </a:ext>
+            </a:extLst>
+          </p:cNvPr>
+          <p:cNvPicPr>
+            <a:picLocks noChangeAspect="1"/>
+          </p:cNvPicPr>
+          <p:nvPr/>
+        </p:nvPicPr>
+        <p:blipFill>
+          <a:blip r:embed="rId5">
+            <a:extLst>
+              <a:ext uri="{96DAC541-7B7A-43D3-8B79-37D633B846F1}">
+                <asvg:svgBlip xmlns:asvg="http://schemas.microsoft.com/office/drawing/2016/SVG/main" r:embed="rId6"/>
+              </a:ext>
+            </a:extLst>
+          </a:blip>
+          <a:stretch>
+            <a:fillRect/>
+          </a:stretch>
+        </p:blipFill>
+        <p:spPr>
+          <a:xfrm>
+            <a:off x="773830" y="2361484"/>
+            <a:ext cx="661680" cy="661680"/>
+          </a:xfrm>
+          <a:prstGeom prst="rect">
+            <a:avLst/>
+          </a:prstGeom>
+        </p:spPr>
+      </p:pic>
     </p:spTree>
     <p:extLst>
       <p:ext uri="{BB962C8B-B14F-4D97-AF65-F5344CB8AC3E}">
@@ -13514,6 +13619,33 @@
                                   </p:childTnLst>
                                 </p:cTn>
                               </p:par>
+                              <p:par>
+                                <p:cTn id="7" presetID="1" presetClass="entr" presetSubtype="0" fill="hold" nodeType="withEffect">
+                                  <p:stCondLst>
+                                    <p:cond delay="0"/>
+                                  </p:stCondLst>
+                                  <p:childTnLst>
+                                    <p:set>
+                                      <p:cBhvr>
+                                        <p:cTn id="8" dur="1" fill="hold">
+                                          <p:stCondLst>
+                                            <p:cond delay="0"/>
+                                          </p:stCondLst>
+                                        </p:cTn>
+                                        <p:tgtEl>
+                                          <p:spTgt spid="9"/>
+                                        </p:tgtEl>
+                                        <p:attrNameLst>
+                                          <p:attrName>style.visibility</p:attrName>
+                                        </p:attrNameLst>
+                                      </p:cBhvr>
+                                      <p:to>
+                                        <p:strVal val="visible"/>
+                                      </p:to>
+                                    </p:set>
+                                  </p:childTnLst>
+                                </p:cTn>
+                              </p:par>
                             </p:childTnLst>
                           </p:cTn>
                         </p:par>
@@ -13521,26 +13653,26 @@
                     </p:cTn>
                   </p:par>
                   <p:par>
-                    <p:cTn id="7" fill="hold">
+                    <p:cTn id="9" fill="hold">
                       <p:stCondLst>
                         <p:cond delay="indefinite"/>
                       </p:stCondLst>
                       <p:childTnLst>
                         <p:par>
-                          <p:cTn id="8" fill="hold">
+                          <p:cTn id="10" fill="hold">
                             <p:stCondLst>
                               <p:cond delay="0"/>
                             </p:stCondLst>
                             <p:childTnLst>
                               <p:par>
-                                <p:cTn id="9" presetID="1" presetClass="entr" presetSubtype="0" fill="hold" nodeType="clickEffect">
+                                <p:cTn id="11" presetID="1" presetClass="entr" presetSubtype="0" fill="hold" nodeType="clickEffect">
                                   <p:stCondLst>
                                     <p:cond delay="0"/>
                                   </p:stCondLst>
                                   <p:childTnLst>
                                     <p:set>
                                       <p:cBhvr>
-                                        <p:cTn id="10" dur="1" fill="hold">
+                                        <p:cTn id="12" dur="1" fill="hold">
                                           <p:stCondLst>
                                             <p:cond delay="0"/>
                                           </p:stCondLst>
@@ -13563,26 +13695,8 @@
                                   </p:childTnLst>
                                 </p:cTn>
                               </p:par>
-                            </p:childTnLst>
-                          </p:cTn>
-                        </p:par>
-                      </p:childTnLst>
-                    </p:cTn>
-                  </p:par>
-                  <p:par>
-                    <p:cTn id="11" fill="hold">
-                      <p:stCondLst>
-                        <p:cond delay="indefinite"/>
-                      </p:stCondLst>
-                      <p:childTnLst>
-                        <p:par>
-                          <p:cTn id="12" fill="hold">
-                            <p:stCondLst>
-                              <p:cond delay="0"/>
-                            </p:stCondLst>
-                            <p:childTnLst>
                               <p:par>
-                                <p:cTn id="13" presetID="1" presetClass="entr" presetSubtype="0" fill="hold" nodeType="clickEffect">
+                                <p:cTn id="13" presetID="1" presetClass="entr" presetSubtype="0" fill="hold" nodeType="withEffect">
                                   <p:stCondLst>
                                     <p:cond delay="0"/>
                                   </p:stCondLst>
@@ -13595,11 +13709,83 @@
                                           </p:stCondLst>
                                         </p:cTn>
                                         <p:tgtEl>
+                                          <p:spTgt spid="10"/>
+                                        </p:tgtEl>
+                                        <p:attrNameLst>
+                                          <p:attrName>style.visibility</p:attrName>
+                                        </p:attrNameLst>
+                                      </p:cBhvr>
+                                      <p:to>
+                                        <p:strVal val="visible"/>
+                                      </p:to>
+                                    </p:set>
+                                  </p:childTnLst>
+                                </p:cTn>
+                              </p:par>
+                            </p:childTnLst>
+                          </p:cTn>
+                        </p:par>
+                      </p:childTnLst>
+                    </p:cTn>
+                  </p:par>
+                  <p:par>
+                    <p:cTn id="15" fill="hold">
+                      <p:stCondLst>
+                        <p:cond delay="indefinite"/>
+                      </p:stCondLst>
+                      <p:childTnLst>
+                        <p:par>
+                          <p:cTn id="16" fill="hold">
+                            <p:stCondLst>
+                              <p:cond delay="0"/>
+                            </p:stCondLst>
+                            <p:childTnLst>
+                              <p:par>
+                                <p:cTn id="17" presetID="1" presetClass="entr" presetSubtype="0" fill="hold" nodeType="clickEffect">
+                                  <p:stCondLst>
+                                    <p:cond delay="0"/>
+                                  </p:stCondLst>
+                                  <p:childTnLst>
+                                    <p:set>
+                                      <p:cBhvr>
+                                        <p:cTn id="18" dur="1" fill="hold">
+                                          <p:stCondLst>
+                                            <p:cond delay="0"/>
+                                          </p:stCondLst>
+                                        </p:cTn>
+                                        <p:tgtEl>
                                           <p:spTgt spid="3">
                                             <p:txEl>
                                               <p:pRg st="2" end="2"/>
                                             </p:txEl>
                                           </p:spTgt>
+                                        </p:tgtEl>
+                                        <p:attrNameLst>
+                                          <p:attrName>style.visibility</p:attrName>
+                                        </p:attrNameLst>
+                                      </p:cBhvr>
+                                      <p:to>
+                                        <p:strVal val="visible"/>
+                                      </p:to>
+                                    </p:set>
+                                  </p:childTnLst>
+                                </p:cTn>
+                              </p:par>
+                              <p:par>
+                                <p:cTn id="19" presetID="1" presetClass="entr" presetSubtype="0" fill="hold" nodeType="withEffect">
+                                  <p:stCondLst>
+                                    <p:cond delay="0"/>
+                                  </p:stCondLst>
+                                  <p:childTnLst>
+                                    <p:set>
+                                      <p:cBhvr>
+                                        <p:cTn id="20" dur="1" fill="hold">
+                                          <p:stCondLst>
+                                            <p:cond delay="0"/>
+                                          </p:stCondLst>
+                                        </p:cTn>
+                                        <p:tgtEl>
+                                          <p:spTgt spid="7"/>
                                         </p:tgtEl>
                                         <p:attrNameLst>
                                           <p:attrName>style.visibility</p:attrName>
@@ -14928,6 +15114,16 @@
               <a:t> Adjust the python code</a:t>
             </a:r>
           </a:p>
+          <a:p>
+            <a:pPr>
+              <a:buFont typeface="Wingdings" pitchFamily="2" charset="2"/>
+              <a:buChar char="v"/>
+            </a:pPr>
+            <a:r>
+              <a:rPr lang="en-US" dirty="0"/>
+              <a:t> Create a simple demo</a:t>
+            </a:r>
+          </a:p>
         </p:txBody>
       </p:sp>
     </p:spTree>
@@ -15155,6 +15351,55 @@
                                           <p:spTgt spid="3">
                                             <p:txEl>
                                               <p:pRg st="4" end="4"/>
+                                            </p:txEl>
+                                          </p:spTgt>
+                                        </p:tgtEl>
+                                        <p:attrNameLst>
+                                          <p:attrName>style.visibility</p:attrName>
+                                        </p:attrNameLst>
+                                      </p:cBhvr>
+                                      <p:to>
+                                        <p:strVal val="visible"/>
+                                      </p:to>
+                                    </p:set>
+                                  </p:childTnLst>
+                                </p:cTn>
+                              </p:par>
+                            </p:childTnLst>
+                          </p:cTn>
+                        </p:par>
+                      </p:childTnLst>
+                    </p:cTn>
+                  </p:par>
+                  <p:par>
+                    <p:cTn id="21" fill="hold">
+                      <p:stCondLst>
+                        <p:cond delay="indefinite"/>
+                      </p:stCondLst>
+                      <p:childTnLst>
+                        <p:par>
+                          <p:cTn id="22" fill="hold">
+                            <p:stCondLst>
+                              <p:cond delay="0"/>
+                            </p:stCondLst>
+                            <p:childTnLst>
+                              <p:par>
+                                <p:cTn id="23" presetID="1" presetClass="entr" presetSubtype="0" fill="hold" nodeType="clickEffect">
+                                  <p:stCondLst>
+                                    <p:cond delay="0"/>
+                                  </p:stCondLst>
+                                  <p:childTnLst>
+                                    <p:set>
+                                      <p:cBhvr>
+                                        <p:cTn id="24" dur="1" fill="hold">
+                                          <p:stCondLst>
+                                            <p:cond delay="0"/>
+                                          </p:stCondLst>
+                                        </p:cTn>
+                                        <p:tgtEl>
+                                          <p:spTgt spid="3">
+                                            <p:txEl>
+                                              <p:pRg st="5" end="5"/>
                                             </p:txEl>
                                           </p:spTgt>
                                         </p:tgtEl>

--- a/Presentation1.pptx
+++ b/Presentation1.pptx
@@ -13151,6 +13151,16 @@
             </a:pPr>
             <a:r>
               <a:rPr lang="en-US" dirty="0"/>
+              <a:t> Cross platform </a:t>
+            </a:r>
+          </a:p>
+          <a:p>
+            <a:pPr>
+              <a:buFont typeface="Wingdings" pitchFamily="2" charset="2"/>
+              <a:buChar char="v"/>
+            </a:pPr>
+            <a:r>
+              <a:rPr lang="en-US" dirty="0"/>
               <a:t> Debugging on-the-fly.</a:t>
             </a:r>
           </a:p>
@@ -13311,6 +13321,55 @@
                                           <p:spTgt spid="3">
                                             <p:txEl>
                                               <p:pRg st="2" end="2"/>
+                                            </p:txEl>
+                                          </p:spTgt>
+                                        </p:tgtEl>
+                                        <p:attrNameLst>
+                                          <p:attrName>style.visibility</p:attrName>
+                                        </p:attrNameLst>
+                                      </p:cBhvr>
+                                      <p:to>
+                                        <p:strVal val="visible"/>
+                                      </p:to>
+                                    </p:set>
+                                  </p:childTnLst>
+                                </p:cTn>
+                              </p:par>
+                            </p:childTnLst>
+                          </p:cTn>
+                        </p:par>
+                      </p:childTnLst>
+                    </p:cTn>
+                  </p:par>
+                  <p:par>
+                    <p:cTn id="15" fill="hold">
+                      <p:stCondLst>
+                        <p:cond delay="indefinite"/>
+                      </p:stCondLst>
+                      <p:childTnLst>
+                        <p:par>
+                          <p:cTn id="16" fill="hold">
+                            <p:stCondLst>
+                              <p:cond delay="0"/>
+                            </p:stCondLst>
+                            <p:childTnLst>
+                              <p:par>
+                                <p:cTn id="17" presetID="1" presetClass="entr" presetSubtype="0" fill="hold" nodeType="clickEffect">
+                                  <p:stCondLst>
+                                    <p:cond delay="0"/>
+                                  </p:stCondLst>
+                                  <p:childTnLst>
+                                    <p:set>
+                                      <p:cBhvr>
+                                        <p:cTn id="18" dur="1" fill="hold">
+                                          <p:stCondLst>
+                                            <p:cond delay="0"/>
+                                          </p:stCondLst>
+                                        </p:cTn>
+                                        <p:tgtEl>
+                                          <p:spTgt spid="3">
+                                            <p:txEl>
+                                              <p:pRg st="3" end="3"/>
                                             </p:txEl>
                                           </p:spTgt>
                                         </p:tgtEl>
